--- a/BlackBox/shapespp.pptx
+++ b/BlackBox/shapespp.pptx
@@ -7,6 +7,7 @@
   <p:sldIdLst>
     <p:sldId id="257" r:id="rId2"/>
     <p:sldId id="258" r:id="rId3"/>
+    <p:sldId id="259" r:id="rId4"/>
   </p:sldIdLst>
   <p:sldSz cx="12192000" cy="6858000"/>
   <p:notesSz cx="6858000" cy="9144000"/>
@@ -260,7 +261,7 @@
           <a:p>
             <a:fld id="{598F2FF8-D117-4682-AEF5-710904D7B157}" type="datetimeFigureOut">
               <a:rPr lang="en-US" smtClean="0"/>
-              <a:t>2/10/2020</a:t>
+              <a:t>2/14/2020</a:t>
             </a:fld>
             <a:endParaRPr lang="en-US"/>
           </a:p>
@@ -458,7 +459,7 @@
           <a:p>
             <a:fld id="{598F2FF8-D117-4682-AEF5-710904D7B157}" type="datetimeFigureOut">
               <a:rPr lang="en-US" smtClean="0"/>
-              <a:t>2/10/2020</a:t>
+              <a:t>2/14/2020</a:t>
             </a:fld>
             <a:endParaRPr lang="en-US"/>
           </a:p>
@@ -666,7 +667,7 @@
           <a:p>
             <a:fld id="{598F2FF8-D117-4682-AEF5-710904D7B157}" type="datetimeFigureOut">
               <a:rPr lang="en-US" smtClean="0"/>
-              <a:t>2/10/2020</a:t>
+              <a:t>2/14/2020</a:t>
             </a:fld>
             <a:endParaRPr lang="en-US"/>
           </a:p>
@@ -864,7 +865,7 @@
           <a:p>
             <a:fld id="{598F2FF8-D117-4682-AEF5-710904D7B157}" type="datetimeFigureOut">
               <a:rPr lang="en-US" smtClean="0"/>
-              <a:t>2/10/2020</a:t>
+              <a:t>2/14/2020</a:t>
             </a:fld>
             <a:endParaRPr lang="en-US"/>
           </a:p>
@@ -1139,7 +1140,7 @@
           <a:p>
             <a:fld id="{598F2FF8-D117-4682-AEF5-710904D7B157}" type="datetimeFigureOut">
               <a:rPr lang="en-US" smtClean="0"/>
-              <a:t>2/10/2020</a:t>
+              <a:t>2/14/2020</a:t>
             </a:fld>
             <a:endParaRPr lang="en-US"/>
           </a:p>
@@ -1404,7 +1405,7 @@
           <a:p>
             <a:fld id="{598F2FF8-D117-4682-AEF5-710904D7B157}" type="datetimeFigureOut">
               <a:rPr lang="en-US" smtClean="0"/>
-              <a:t>2/10/2020</a:t>
+              <a:t>2/14/2020</a:t>
             </a:fld>
             <a:endParaRPr lang="en-US"/>
           </a:p>
@@ -1816,7 +1817,7 @@
           <a:p>
             <a:fld id="{598F2FF8-D117-4682-AEF5-710904D7B157}" type="datetimeFigureOut">
               <a:rPr lang="en-US" smtClean="0"/>
-              <a:t>2/10/2020</a:t>
+              <a:t>2/14/2020</a:t>
             </a:fld>
             <a:endParaRPr lang="en-US"/>
           </a:p>
@@ -1957,7 +1958,7 @@
           <a:p>
             <a:fld id="{598F2FF8-D117-4682-AEF5-710904D7B157}" type="datetimeFigureOut">
               <a:rPr lang="en-US" smtClean="0"/>
-              <a:t>2/10/2020</a:t>
+              <a:t>2/14/2020</a:t>
             </a:fld>
             <a:endParaRPr lang="en-US"/>
           </a:p>
@@ -2070,7 +2071,7 @@
           <a:p>
             <a:fld id="{598F2FF8-D117-4682-AEF5-710904D7B157}" type="datetimeFigureOut">
               <a:rPr lang="en-US" smtClean="0"/>
-              <a:t>2/10/2020</a:t>
+              <a:t>2/14/2020</a:t>
             </a:fld>
             <a:endParaRPr lang="en-US"/>
           </a:p>
@@ -2381,7 +2382,7 @@
           <a:p>
             <a:fld id="{598F2FF8-D117-4682-AEF5-710904D7B157}" type="datetimeFigureOut">
               <a:rPr lang="en-US" smtClean="0"/>
-              <a:t>2/10/2020</a:t>
+              <a:t>2/14/2020</a:t>
             </a:fld>
             <a:endParaRPr lang="en-US"/>
           </a:p>
@@ -2669,7 +2670,7 @@
           <a:p>
             <a:fld id="{598F2FF8-D117-4682-AEF5-710904D7B157}" type="datetimeFigureOut">
               <a:rPr lang="en-US" smtClean="0"/>
-              <a:t>2/10/2020</a:t>
+              <a:t>2/14/2020</a:t>
             </a:fld>
             <a:endParaRPr lang="en-US"/>
           </a:p>
@@ -2910,7 +2911,7 @@
           <a:p>
             <a:fld id="{598F2FF8-D117-4682-AEF5-710904D7B157}" type="datetimeFigureOut">
               <a:rPr lang="en-US" smtClean="0"/>
-              <a:t>2/10/2020</a:t>
+              <a:t>2/14/2020</a:t>
             </a:fld>
             <a:endParaRPr lang="en-US"/>
           </a:p>
@@ -4877,6 +4878,100 @@
 </p:sld>
 </file>
 
+<file path=ppt/slides/slide3.xml><?xml version="1.0" encoding="utf-8"?>
+<p:sld xmlns:a="http://schemas.openxmlformats.org/drawingml/2006/main" xmlns:r="http://schemas.openxmlformats.org/officeDocument/2006/relationships" xmlns:p="http://schemas.openxmlformats.org/presentationml/2006/main">
+  <p:cSld>
+    <p:spTree>
+      <p:nvGrpSpPr>
+        <p:cNvPr id="1" name=""/>
+        <p:cNvGrpSpPr/>
+        <p:nvPr/>
+      </p:nvGrpSpPr>
+      <p:grpSpPr>
+        <a:xfrm>
+          <a:off x="0" y="0"/>
+          <a:ext cx="0" cy="0"/>
+          <a:chOff x="0" y="0"/>
+          <a:chExt cx="0" cy="0"/>
+        </a:xfrm>
+      </p:grpSpPr>
+      <p:sp>
+        <p:nvSpPr>
+          <p:cNvPr id="2" name="Rectangle 1">
+            <a:extLst>
+              <a:ext uri="{FF2B5EF4-FFF2-40B4-BE49-F238E27FC236}">
+                <a16:creationId xmlns:a16="http://schemas.microsoft.com/office/drawing/2014/main" id="{A526BE8D-B4F9-4EAB-BF5C-6B13D5D1CF14}"/>
+              </a:ext>
+            </a:extLst>
+          </p:cNvPr>
+          <p:cNvSpPr/>
+          <p:nvPr/>
+        </p:nvSpPr>
+        <p:spPr>
+          <a:xfrm>
+            <a:off x="2686929" y="2084873"/>
+            <a:ext cx="1026942" cy="649357"/>
+          </a:xfrm>
+          <a:prstGeom prst="rect">
+            <a:avLst/>
+          </a:prstGeom>
+          <a:solidFill>
+            <a:srgbClr val="00FF00"/>
+          </a:solidFill>
+          <a:ln>
+            <a:noFill/>
+          </a:ln>
+          <a:effectLst>
+            <a:innerShdw blurRad="114300">
+              <a:prstClr val="black"/>
+            </a:innerShdw>
+          </a:effectLst>
+        </p:spPr>
+        <p:style>
+          <a:lnRef idx="2">
+            <a:schemeClr val="accent1">
+              <a:shade val="50000"/>
+            </a:schemeClr>
+          </a:lnRef>
+          <a:fillRef idx="1">
+            <a:schemeClr val="accent1"/>
+          </a:fillRef>
+          <a:effectRef idx="0">
+            <a:schemeClr val="accent1"/>
+          </a:effectRef>
+          <a:fontRef idx="minor">
+            <a:schemeClr val="lt1"/>
+          </a:fontRef>
+        </p:style>
+        <p:txBody>
+          <a:bodyPr rtlCol="0" anchor="ctr"/>
+          <a:lstStyle/>
+          <a:p>
+            <a:pPr algn="ctr"/>
+            <a:r>
+              <a:rPr lang="en-US" sz="4000" b="1" dirty="0">
+                <a:solidFill>
+                  <a:schemeClr val="tx1"/>
+                </a:solidFill>
+              </a:rPr>
+              <a:t>6</a:t>
+            </a:r>
+          </a:p>
+        </p:txBody>
+      </p:sp>
+    </p:spTree>
+    <p:extLst>
+      <p:ext uri="{BB962C8B-B14F-4D97-AF65-F5344CB8AC3E}">
+        <p14:creationId xmlns:p14="http://schemas.microsoft.com/office/powerpoint/2010/main" val="3344840662"/>
+      </p:ext>
+    </p:extLst>
+  </p:cSld>
+  <p:clrMapOvr>
+    <a:masterClrMapping/>
+  </p:clrMapOvr>
+</p:sld>
+</file>
+
 <file path=ppt/theme/theme1.xml><?xml version="1.0" encoding="utf-8"?>
 <a:theme xmlns:a="http://schemas.openxmlformats.org/drawingml/2006/main" name="Office Theme">
   <a:themeElements>

--- a/BlackBox/shapespp.pptx
+++ b/BlackBox/shapespp.pptx
@@ -261,7 +261,7 @@
           <a:p>
             <a:fld id="{598F2FF8-D117-4682-AEF5-710904D7B157}" type="datetimeFigureOut">
               <a:rPr lang="en-US" smtClean="0"/>
-              <a:t>2/14/2020</a:t>
+              <a:t>2/15/2020</a:t>
             </a:fld>
             <a:endParaRPr lang="en-US"/>
           </a:p>
@@ -459,7 +459,7 @@
           <a:p>
             <a:fld id="{598F2FF8-D117-4682-AEF5-710904D7B157}" type="datetimeFigureOut">
               <a:rPr lang="en-US" smtClean="0"/>
-              <a:t>2/14/2020</a:t>
+              <a:t>2/15/2020</a:t>
             </a:fld>
             <a:endParaRPr lang="en-US"/>
           </a:p>
@@ -667,7 +667,7 @@
           <a:p>
             <a:fld id="{598F2FF8-D117-4682-AEF5-710904D7B157}" type="datetimeFigureOut">
               <a:rPr lang="en-US" smtClean="0"/>
-              <a:t>2/14/2020</a:t>
+              <a:t>2/15/2020</a:t>
             </a:fld>
             <a:endParaRPr lang="en-US"/>
           </a:p>
@@ -865,7 +865,7 @@
           <a:p>
             <a:fld id="{598F2FF8-D117-4682-AEF5-710904D7B157}" type="datetimeFigureOut">
               <a:rPr lang="en-US" smtClean="0"/>
-              <a:t>2/14/2020</a:t>
+              <a:t>2/15/2020</a:t>
             </a:fld>
             <a:endParaRPr lang="en-US"/>
           </a:p>
@@ -1140,7 +1140,7 @@
           <a:p>
             <a:fld id="{598F2FF8-D117-4682-AEF5-710904D7B157}" type="datetimeFigureOut">
               <a:rPr lang="en-US" smtClean="0"/>
-              <a:t>2/14/2020</a:t>
+              <a:t>2/15/2020</a:t>
             </a:fld>
             <a:endParaRPr lang="en-US"/>
           </a:p>
@@ -1405,7 +1405,7 @@
           <a:p>
             <a:fld id="{598F2FF8-D117-4682-AEF5-710904D7B157}" type="datetimeFigureOut">
               <a:rPr lang="en-US" smtClean="0"/>
-              <a:t>2/14/2020</a:t>
+              <a:t>2/15/2020</a:t>
             </a:fld>
             <a:endParaRPr lang="en-US"/>
           </a:p>
@@ -1817,7 +1817,7 @@
           <a:p>
             <a:fld id="{598F2FF8-D117-4682-AEF5-710904D7B157}" type="datetimeFigureOut">
               <a:rPr lang="en-US" smtClean="0"/>
-              <a:t>2/14/2020</a:t>
+              <a:t>2/15/2020</a:t>
             </a:fld>
             <a:endParaRPr lang="en-US"/>
           </a:p>
@@ -1958,7 +1958,7 @@
           <a:p>
             <a:fld id="{598F2FF8-D117-4682-AEF5-710904D7B157}" type="datetimeFigureOut">
               <a:rPr lang="en-US" smtClean="0"/>
-              <a:t>2/14/2020</a:t>
+              <a:t>2/15/2020</a:t>
             </a:fld>
             <a:endParaRPr lang="en-US"/>
           </a:p>
@@ -2071,7 +2071,7 @@
           <a:p>
             <a:fld id="{598F2FF8-D117-4682-AEF5-710904D7B157}" type="datetimeFigureOut">
               <a:rPr lang="en-US" smtClean="0"/>
-              <a:t>2/14/2020</a:t>
+              <a:t>2/15/2020</a:t>
             </a:fld>
             <a:endParaRPr lang="en-US"/>
           </a:p>
@@ -2382,7 +2382,7 @@
           <a:p>
             <a:fld id="{598F2FF8-D117-4682-AEF5-710904D7B157}" type="datetimeFigureOut">
               <a:rPr lang="en-US" smtClean="0"/>
-              <a:t>2/14/2020</a:t>
+              <a:t>2/15/2020</a:t>
             </a:fld>
             <a:endParaRPr lang="en-US"/>
           </a:p>
@@ -2670,7 +2670,7 @@
           <a:p>
             <a:fld id="{598F2FF8-D117-4682-AEF5-710904D7B157}" type="datetimeFigureOut">
               <a:rPr lang="en-US" smtClean="0"/>
-              <a:t>2/14/2020</a:t>
+              <a:t>2/15/2020</a:t>
             </a:fld>
             <a:endParaRPr lang="en-US"/>
           </a:p>
@@ -2911,7 +2911,7 @@
           <a:p>
             <a:fld id="{598F2FF8-D117-4682-AEF5-710904D7B157}" type="datetimeFigureOut">
               <a:rPr lang="en-US" smtClean="0"/>
-              <a:t>2/14/2020</a:t>
+              <a:t>2/15/2020</a:t>
             </a:fld>
             <a:endParaRPr lang="en-US"/>
           </a:p>
@@ -4328,6 +4328,42 @@
           </a:p>
         </p:txBody>
       </p:sp>
+      <p:pic>
+        <p:nvPicPr>
+          <p:cNvPr id="17" name="Picture 16" descr="A picture containing food, bird&#10;&#10;Description automatically generated">
+            <a:extLst>
+              <a:ext uri="{FF2B5EF4-FFF2-40B4-BE49-F238E27FC236}">
+                <a16:creationId xmlns:a16="http://schemas.microsoft.com/office/drawing/2014/main" id="{BC484E66-7B7B-4AD9-A0D2-55C35AB4C9F9}"/>
+              </a:ext>
+            </a:extLst>
+          </p:cNvPr>
+          <p:cNvPicPr>
+            <a:picLocks noChangeAspect="1"/>
+          </p:cNvPicPr>
+          <p:nvPr/>
+        </p:nvPicPr>
+        <p:blipFill>
+          <a:blip r:embed="rId4">
+            <a:extLst>
+              <a:ext uri="{28A0092B-C50C-407E-A947-70E740481C1C}">
+                <a14:useLocalDpi xmlns:a14="http://schemas.microsoft.com/office/drawing/2010/main" val="0"/>
+              </a:ext>
+            </a:extLst>
+          </a:blip>
+          <a:stretch>
+            <a:fillRect/>
+          </a:stretch>
+        </p:blipFill>
+        <p:spPr>
+          <a:xfrm>
+            <a:off x="5258486" y="3356036"/>
+            <a:ext cx="1841152" cy="1841152"/>
+          </a:xfrm>
+          <a:prstGeom prst="rect">
+            <a:avLst/>
+          </a:prstGeom>
+        </p:spPr>
+      </p:pic>
     </p:spTree>
     <p:extLst>
       <p:ext uri="{BB962C8B-B14F-4D97-AF65-F5344CB8AC3E}">
